--- a/training/English (en)/Refinement and Publication Training [R&P]/Proofreading/Proofreading WT Slides.pptx
+++ b/training/English (en)/Refinement and Publication Training [R&P]/Proofreading/Proofreading WT Slides.pptx
@@ -237,7 +237,7 @@
           <a:p>
             <a:fld id="{AC6AA070-92F4-A447-BB88-F5E94FF9CF8B}" type="datetimeFigureOut">
               <a:rPr lang="en-US" smtClean="0"/>
-              <a:t>10/15/24</a:t>
+              <a:t>2/25/25</a:t>
             </a:fld>
             <a:endParaRPr lang="en-US"/>
           </a:p>
@@ -641,7 +641,7 @@
           <a:p>
             <a:fld id="{2D176C0A-5C67-429D-B78E-C0F7FE360763}" type="datetimeFigureOut">
               <a:rPr lang="en-US" smtClean="0"/>
-              <a:t>10/15/24</a:t>
+              <a:t>2/25/25</a:t>
             </a:fld>
             <a:endParaRPr lang="en-US"/>
           </a:p>
@@ -7536,283 +7536,42 @@
           </a:p>
         </p:txBody>
       </p:sp>
-      <p:sp>
-        <p:nvSpPr>
-          <p:cNvPr id="7" name="TextBox 6">
+      <p:pic>
+        <p:nvPicPr>
+          <p:cNvPr id="4" name="Picture 3" descr="A checklist with black text&#10;&#10;AI-generated content may be incorrect.">
             <a:extLst>
               <a:ext uri="{FF2B5EF4-FFF2-40B4-BE49-F238E27FC236}">
-                <a16:creationId xmlns:a16="http://schemas.microsoft.com/office/drawing/2014/main" id="{F09D1E70-A778-AB73-3A8D-5D5C5F2D2F1E}"/>
+                <a16:creationId xmlns:a16="http://schemas.microsoft.com/office/drawing/2014/main" id="{BA40BDB9-B50E-6833-BDD8-856691D34149}"/>
               </a:ext>
             </a:extLst>
           </p:cNvPr>
-          <p:cNvSpPr txBox="1"/>
+          <p:cNvPicPr>
+            <a:picLocks noChangeAspect="1"/>
+          </p:cNvPicPr>
           <p:nvPr/>
-        </p:nvSpPr>
+        </p:nvPicPr>
+        <p:blipFill>
+          <a:blip r:embed="rId2">
+            <a:extLst>
+              <a:ext uri="{28A0092B-C50C-407E-A947-70E740481C1C}">
+                <a14:useLocalDpi xmlns:a14="http://schemas.microsoft.com/office/drawing/2010/main" val="0"/>
+              </a:ext>
+            </a:extLst>
+          </a:blip>
+          <a:stretch>
+            <a:fillRect/>
+          </a:stretch>
+        </p:blipFill>
         <p:spPr>
           <a:xfrm>
-            <a:off x="6436423" y="3114846"/>
-            <a:ext cx="2434442" cy="3077766"/>
+            <a:off x="5818388" y="2956956"/>
+            <a:ext cx="2978574" cy="3182587"/>
           </a:xfrm>
           <a:prstGeom prst="rect">
             <a:avLst/>
           </a:prstGeom>
-          <a:noFill/>
         </p:spPr>
-        <p:txBody>
-          <a:bodyPr wrap="square" rtlCol="0">
-            <a:spAutoFit/>
-          </a:bodyPr>
-          <a:lstStyle/>
-          <a:p>
-            <a:pPr marL="0" marR="0">
-              <a:spcBef>
-                <a:spcPts val="0"/>
-              </a:spcBef>
-              <a:spcAft>
-                <a:spcPts val="0"/>
-              </a:spcAft>
-            </a:pPr>
-            <a:r>
-              <a:rPr lang="en-US" sz="1600" kern="100" dirty="0">
-                <a:effectLst/>
-                <a:latin typeface="Aptos" panose="020B0004020202020204" pitchFamily="34" charset="0"/>
-                <a:ea typeface="Aptos" panose="020B0004020202020204" pitchFamily="34" charset="0"/>
-                <a:cs typeface="Times New Roman" panose="02020603050405020304" pitchFamily="18" charset="0"/>
-              </a:rPr>
-              <a:t>Chapter 5 	         26 verses</a:t>
-            </a:r>
-          </a:p>
-          <a:p>
-            <a:pPr marL="342900" marR="0" lvl="0" indent="-342900">
-              <a:spcBef>
-                <a:spcPts val="0"/>
-              </a:spcBef>
-              <a:spcAft>
-                <a:spcPts val="0"/>
-              </a:spcAft>
-              <a:buFont typeface="Wingdings" pitchFamily="2" charset="2"/>
-              <a:buChar char="o"/>
-            </a:pPr>
-            <a:r>
-              <a:rPr lang="en-US" sz="1600" kern="100" dirty="0">
-                <a:latin typeface="Aptos" panose="020B0004020202020204" pitchFamily="34" charset="0"/>
-                <a:ea typeface="Aptos" panose="020B0004020202020204" pitchFamily="34" charset="0"/>
-                <a:cs typeface="Times New Roman" panose="02020603050405020304" pitchFamily="18" charset="0"/>
-              </a:rPr>
-              <a:t>chapter</a:t>
-            </a:r>
-            <a:r>
-              <a:rPr lang="en-US" sz="1600" kern="100" dirty="0">
-                <a:effectLst/>
-                <a:latin typeface="Aptos" panose="020B0004020202020204" pitchFamily="34" charset="0"/>
-                <a:ea typeface="Aptos" panose="020B0004020202020204" pitchFamily="34" charset="0"/>
-                <a:cs typeface="Times New Roman" panose="02020603050405020304" pitchFamily="18" charset="0"/>
-              </a:rPr>
-              <a:t> number</a:t>
-            </a:r>
-          </a:p>
-          <a:p>
-            <a:pPr marL="342900" marR="0" lvl="0" indent="-342900">
-              <a:spcBef>
-                <a:spcPts val="0"/>
-              </a:spcBef>
-              <a:spcAft>
-                <a:spcPts val="0"/>
-              </a:spcAft>
-              <a:buFont typeface="Wingdings" pitchFamily="2" charset="2"/>
-              <a:buChar char="o"/>
-            </a:pPr>
-            <a:r>
-              <a:rPr lang="en-US" sz="1600" kern="100" dirty="0">
-                <a:latin typeface="Aptos" panose="020B0004020202020204" pitchFamily="34" charset="0"/>
-                <a:ea typeface="Aptos" panose="020B0004020202020204" pitchFamily="34" charset="0"/>
-                <a:cs typeface="Times New Roman" panose="02020603050405020304" pitchFamily="18" charset="0"/>
-              </a:rPr>
-              <a:t>verse</a:t>
-            </a:r>
-            <a:r>
-              <a:rPr lang="en-US" sz="1600" kern="100" dirty="0">
-                <a:effectLst/>
-                <a:latin typeface="Aptos" panose="020B0004020202020204" pitchFamily="34" charset="0"/>
-                <a:ea typeface="Aptos" panose="020B0004020202020204" pitchFamily="34" charset="0"/>
-                <a:cs typeface="Times New Roman" panose="02020603050405020304" pitchFamily="18" charset="0"/>
-              </a:rPr>
-              <a:t> number</a:t>
-            </a:r>
-          </a:p>
-          <a:p>
-            <a:pPr marL="342900" marR="0" lvl="0" indent="-342900">
-              <a:spcBef>
-                <a:spcPts val="0"/>
-              </a:spcBef>
-              <a:spcAft>
-                <a:spcPts val="0"/>
-              </a:spcAft>
-              <a:buFont typeface="Wingdings" pitchFamily="2" charset="2"/>
-              <a:buChar char="o"/>
-            </a:pPr>
-            <a:r>
-              <a:rPr lang="en-US" sz="1600" kern="100" dirty="0">
-                <a:effectLst/>
-                <a:latin typeface="Aptos" panose="020B0004020202020204" pitchFamily="34" charset="0"/>
-                <a:ea typeface="Aptos" panose="020B0004020202020204" pitchFamily="34" charset="0"/>
-                <a:cs typeface="Times New Roman" panose="02020603050405020304" pitchFamily="18" charset="0"/>
-              </a:rPr>
-              <a:t>spacing</a:t>
-            </a:r>
-          </a:p>
-          <a:p>
-            <a:pPr marL="342900" marR="0" lvl="0" indent="-342900">
-              <a:spcBef>
-                <a:spcPts val="0"/>
-              </a:spcBef>
-              <a:spcAft>
-                <a:spcPts val="0"/>
-              </a:spcAft>
-              <a:buFont typeface="Wingdings" pitchFamily="2" charset="2"/>
-              <a:buChar char="o"/>
-            </a:pPr>
-            <a:r>
-              <a:rPr lang="en-US" sz="1600" kern="100" dirty="0">
-                <a:effectLst/>
-                <a:latin typeface="Aptos" panose="020B0004020202020204" pitchFamily="34" charset="0"/>
-                <a:ea typeface="Aptos" panose="020B0004020202020204" pitchFamily="34" charset="0"/>
-                <a:cs typeface="Times New Roman" panose="02020603050405020304" pitchFamily="18" charset="0"/>
-              </a:rPr>
-              <a:t>read through fast</a:t>
-            </a:r>
-          </a:p>
-          <a:p>
-            <a:pPr marL="342900" marR="0" lvl="0" indent="-342900">
-              <a:spcBef>
-                <a:spcPts val="0"/>
-              </a:spcBef>
-              <a:spcAft>
-                <a:spcPts val="0"/>
-              </a:spcAft>
-              <a:buFont typeface="Wingdings" pitchFamily="2" charset="2"/>
-              <a:buChar char="o"/>
-            </a:pPr>
-            <a:r>
-              <a:rPr lang="en-US" sz="1600" kern="100" dirty="0">
-                <a:effectLst/>
-                <a:latin typeface="Aptos" panose="020B0004020202020204" pitchFamily="34" charset="0"/>
-                <a:ea typeface="Aptos" panose="020B0004020202020204" pitchFamily="34" charset="0"/>
-                <a:cs typeface="Times New Roman" panose="02020603050405020304" pitchFamily="18" charset="0"/>
-              </a:rPr>
-              <a:t>ends of sentences</a:t>
-            </a:r>
-          </a:p>
-          <a:p>
-            <a:pPr marL="342900" marR="0" lvl="0" indent="-342900">
-              <a:spcBef>
-                <a:spcPts val="0"/>
-              </a:spcBef>
-              <a:spcAft>
-                <a:spcPts val="0"/>
-              </a:spcAft>
-              <a:buFont typeface="Wingdings" pitchFamily="2" charset="2"/>
-              <a:buChar char="o"/>
-            </a:pPr>
-            <a:r>
-              <a:rPr lang="en-US" sz="1600" kern="100" dirty="0">
-                <a:effectLst/>
-                <a:latin typeface="Aptos" panose="020B0004020202020204" pitchFamily="34" charset="0"/>
-                <a:ea typeface="Aptos" panose="020B0004020202020204" pitchFamily="34" charset="0"/>
-                <a:cs typeface="Times New Roman" panose="02020603050405020304" pitchFamily="18" charset="0"/>
-              </a:rPr>
-              <a:t>starts of sentences</a:t>
-            </a:r>
-          </a:p>
-          <a:p>
-            <a:pPr marL="342900" marR="0" lvl="0" indent="-342900">
-              <a:spcBef>
-                <a:spcPts val="0"/>
-              </a:spcBef>
-              <a:spcAft>
-                <a:spcPts val="0"/>
-              </a:spcAft>
-              <a:buFont typeface="Wingdings" pitchFamily="2" charset="2"/>
-              <a:buChar char="o"/>
-            </a:pPr>
-            <a:r>
-              <a:rPr lang="en-US" sz="1600" kern="100" dirty="0">
-                <a:effectLst/>
-                <a:latin typeface="Aptos" panose="020B0004020202020204" pitchFamily="34" charset="0"/>
-                <a:ea typeface="Aptos" panose="020B0004020202020204" pitchFamily="34" charset="0"/>
-                <a:cs typeface="Times New Roman" panose="02020603050405020304" pitchFamily="18" charset="0"/>
-              </a:rPr>
-              <a:t>pairs:  ( )   “  ”    [  ]</a:t>
-            </a:r>
-          </a:p>
-          <a:p>
-            <a:pPr marL="342900" marR="0" lvl="0" indent="-342900">
-              <a:spcBef>
-                <a:spcPts val="0"/>
-              </a:spcBef>
-              <a:spcAft>
-                <a:spcPts val="0"/>
-              </a:spcAft>
-              <a:buFont typeface="Wingdings" pitchFamily="2" charset="2"/>
-              <a:buChar char="o"/>
-            </a:pPr>
-            <a:r>
-              <a:rPr lang="en-US" sz="1600" kern="100" dirty="0">
-                <a:effectLst/>
-                <a:latin typeface="Aptos" panose="020B0004020202020204" pitchFamily="34" charset="0"/>
-                <a:ea typeface="Aptos" panose="020B0004020202020204" pitchFamily="34" charset="0"/>
-                <a:cs typeface="Times New Roman" panose="02020603050405020304" pitchFamily="18" charset="0"/>
-              </a:rPr>
-              <a:t>capitals on names</a:t>
-            </a:r>
-          </a:p>
-          <a:p>
-            <a:pPr marL="342900" marR="0" lvl="0" indent="-342900">
-              <a:spcBef>
-                <a:spcPts val="0"/>
-              </a:spcBef>
-              <a:spcAft>
-                <a:spcPts val="0"/>
-              </a:spcAft>
-              <a:buFont typeface="Wingdings" pitchFamily="2" charset="2"/>
-              <a:buChar char="o"/>
-            </a:pPr>
-            <a:r>
-              <a:rPr lang="en-US" sz="1600" kern="100" dirty="0">
-                <a:effectLst/>
-                <a:latin typeface="Aptos" panose="020B0004020202020204" pitchFamily="34" charset="0"/>
-                <a:ea typeface="Aptos" panose="020B0004020202020204" pitchFamily="34" charset="0"/>
-                <a:cs typeface="Times New Roman" panose="02020603050405020304" pitchFamily="18" charset="0"/>
-              </a:rPr>
-              <a:t>____________________</a:t>
-            </a:r>
-          </a:p>
-          <a:p>
-            <a:pPr marL="342900" marR="0" lvl="0" indent="-342900">
-              <a:spcBef>
-                <a:spcPts val="0"/>
-              </a:spcBef>
-              <a:spcAft>
-                <a:spcPts val="0"/>
-              </a:spcAft>
-              <a:buFont typeface="Wingdings" pitchFamily="2" charset="2"/>
-              <a:buChar char="o"/>
-            </a:pPr>
-            <a:r>
-              <a:rPr lang="en-US" sz="1600" kern="100" dirty="0">
-                <a:effectLst/>
-                <a:latin typeface="Aptos" panose="020B0004020202020204" pitchFamily="34" charset="0"/>
-                <a:ea typeface="Aptos" panose="020B0004020202020204" pitchFamily="34" charset="0"/>
-                <a:cs typeface="Times New Roman" panose="02020603050405020304" pitchFamily="18" charset="0"/>
-              </a:rPr>
-              <a:t>____________________</a:t>
-            </a:r>
-          </a:p>
-          <a:p>
-            <a:endParaRPr lang="en-US" dirty="0"/>
-          </a:p>
-        </p:txBody>
-      </p:sp>
+      </p:pic>
     </p:spTree>
     <p:extLst>
       <p:ext uri="{BB962C8B-B14F-4D97-AF65-F5344CB8AC3E}">
@@ -16301,6 +16060,15 @@
 </file>
 
 <file path=customXml/item2.xml><?xml version="1.0" encoding="utf-8"?>
+<?mso-contentType ?>
+<FormTemplates xmlns="http://schemas.microsoft.com/sharepoint/v3/contenttype/forms">
+  <Display>DocumentLibraryForm</Display>
+  <Edit>DocumentLibraryForm</Edit>
+  <New>DocumentLibraryForm</New>
+</FormTemplates>
+</file>
+
+<file path=customXml/item3.xml><?xml version="1.0" encoding="utf-8"?>
 <ct:contentTypeSchema xmlns:ct="http://schemas.microsoft.com/office/2006/metadata/contentType" xmlns:ma="http://schemas.microsoft.com/office/2006/metadata/properties/metaAttributes" ct:_="" ma:_="" ma:contentTypeName="Document" ma:contentTypeID="0x0101002F017C5ECD5AE84588140775F5D9B6FC" ma:contentTypeVersion="10" ma:contentTypeDescription="Create a new document." ma:contentTypeScope="" ma:versionID="3fff9ed69b78a1d1c48e3f96068d2b17">
   <xsd:schema xmlns:xsd="http://www.w3.org/2001/XMLSchema" xmlns:xs="http://www.w3.org/2001/XMLSchema" xmlns:p="http://schemas.microsoft.com/office/2006/metadata/properties" xmlns:ns2="fee82e44-1fa4-4144-8309-00fed2bf4198" xmlns:ns3="1a61c928-f5f6-4989-bd5d-cb8872a1b06d" targetNamespace="http://schemas.microsoft.com/office/2006/metadata/properties" ma:root="true" ma:fieldsID="7b2c40b849e0c1cff02f16dd8f1be10b" ns2:_="" ns3:_="">
     <xsd:import namespace="fee82e44-1fa4-4144-8309-00fed2bf4198"/>
@@ -16501,15 +16269,6 @@
 </ct:contentTypeSchema>
 </file>
 
-<file path=customXml/item3.xml><?xml version="1.0" encoding="utf-8"?>
-<?mso-contentType ?>
-<FormTemplates xmlns="http://schemas.microsoft.com/sharepoint/v3/contenttype/forms">
-  <Display>DocumentLibraryForm</Display>
-  <Edit>DocumentLibraryForm</Edit>
-  <New>DocumentLibraryForm</New>
-</FormTemplates>
-</file>
-
 <file path=customXml/itemProps1.xml><?xml version="1.0" encoding="utf-8"?>
 <ds:datastoreItem xmlns:ds="http://schemas.openxmlformats.org/officeDocument/2006/customXml" ds:itemID="{DD870300-B03F-45F7-9154-521D8C74684E}">
   <ds:schemaRefs>
@@ -16520,13 +16279,28 @@
 </file>
 
 <file path=customXml/itemProps2.xml><?xml version="1.0" encoding="utf-8"?>
-<ds:datastoreItem xmlns:ds="http://schemas.openxmlformats.org/officeDocument/2006/customXml" ds:itemID="{5FA282B5-1259-4ECE-A686-F4DCA9ECACB5}"/>
-</file>
-
-<file path=customXml/itemProps3.xml><?xml version="1.0" encoding="utf-8"?>
 <ds:datastoreItem xmlns:ds="http://schemas.openxmlformats.org/officeDocument/2006/customXml" ds:itemID="{B178770A-F6AC-406B-AF0D-88CBCF36B701}">
   <ds:schemaRefs>
     <ds:schemaRef ds:uri="http://schemas.microsoft.com/sharepoint/v3/contenttype/forms"/>
   </ds:schemaRefs>
 </ds:datastoreItem>
+</file>
+
+<file path=customXml/itemProps3.xml><?xml version="1.0" encoding="utf-8"?>
+<ds:datastoreItem xmlns:ds="http://schemas.openxmlformats.org/officeDocument/2006/customXml" ds:itemID="{5FA282B5-1259-4ECE-A686-F4DCA9ECACB5}">
+  <ds:schemaRefs>
+    <ds:schemaRef ds:uri="http://schemas.microsoft.com/office/2006/metadata/contentType"/>
+    <ds:schemaRef ds:uri="http://schemas.microsoft.com/office/2006/metadata/properties/metaAttributes"/>
+    <ds:schemaRef ds:uri="http://www.w3.org/2001/XMLSchema"/>
+    <ds:schemaRef ds:uri="http://schemas.microsoft.com/office/2006/metadata/properties"/>
+    <ds:schemaRef ds:uri="fee82e44-1fa4-4144-8309-00fed2bf4198"/>
+    <ds:schemaRef ds:uri="1a61c928-f5f6-4989-bd5d-cb8872a1b06d"/>
+    <ds:schemaRef ds:uri="http://schemas.microsoft.com/office/2006/documentManagement/types"/>
+    <ds:schemaRef ds:uri="http://schemas.microsoft.com/office/infopath/2007/PartnerControls"/>
+    <ds:schemaRef ds:uri="http://schemas.openxmlformats.org/package/2006/metadata/core-properties"/>
+    <ds:schemaRef ds:uri="http://purl.org/dc/elements/1.1/"/>
+    <ds:schemaRef ds:uri="http://purl.org/dc/terms/"/>
+    <ds:schemaRef ds:uri="http://schemas.microsoft.com/internal/obd"/>
+  </ds:schemaRefs>
+</ds:datastoreItem>
 </file>